--- a/PosterPresentation.pptx
+++ b/PosterPresentation.pptx
@@ -168,6 +168,14 @@
     </p:extLst>
   </p:cmAuthor>
 </p:cmAuthorLst>
+</file>
+
+<file path=ppt/revisionInfo.xml><?xml version="1.0" encoding="utf-8"?>
+<p1510:revInfo xmlns:a="http://schemas.openxmlformats.org/drawingml/2006/main" xmlns:r="http://schemas.openxmlformats.org/officeDocument/2006/relationships" xmlns:p1510="http://schemas.microsoft.com/office/powerpoint/2015/10/main">
+  <p1510:revLst>
+    <p1510:client id="{941E532F-9BAD-0D48-A16C-D4BB57631D6F}" v="500" dt="2022-12-14T15:17:42.589"/>
+  </p1510:revLst>
+</p1510:revInfo>
 </file>
 
 <file path=ppt/handoutMasters/handoutMaster1.xml><?xml version="1.0" encoding="utf-8"?>
@@ -1844,7 +1852,7 @@
           <a:p>
             <a:fld id="{4680A733-F83D-4D19-AF27-7B0B870C8599}" type="datetime1">
               <a:rPr lang="de-DE" noProof="0" smtClean="0"/>
-              <a:t>13.12.22</a:t>
+              <a:t>14.12.22</a:t>
             </a:fld>
             <a:endParaRPr lang="de-DE" noProof="0" dirty="0"/>
           </a:p>
@@ -2158,7 +2166,7 @@
           <a:p>
             <a:fld id="{4680A733-F83D-4D19-AF27-7B0B870C8599}" type="datetime1">
               <a:rPr lang="de-DE" noProof="0" smtClean="0"/>
-              <a:t>13.12.22</a:t>
+              <a:t>14.12.22</a:t>
             </a:fld>
             <a:endParaRPr lang="de-DE" noProof="0" dirty="0"/>
           </a:p>
@@ -2944,7 +2952,7 @@
             <a:fld id="{4680A733-F83D-4D19-AF27-7B0B870C8599}" type="datetime1">
               <a:rPr lang="de-DE" smtClean="0"/>
               <a:pPr/>
-              <a:t>13.12.22</a:t>
+              <a:t>14.12.22</a:t>
             </a:fld>
             <a:endParaRPr lang="de-DE" dirty="0"/>
           </a:p>
@@ -3949,7 +3957,7 @@
           <a:p>
             <a:fld id="{4680A733-F83D-4D19-AF27-7B0B870C8599}" type="datetime1">
               <a:rPr lang="de-DE" noProof="0" smtClean="0"/>
-              <a:t>13.12.22</a:t>
+              <a:t>14.12.22</a:t>
             </a:fld>
             <a:endParaRPr lang="de-DE" noProof="0" dirty="0"/>
           </a:p>
@@ -5191,7 +5199,7 @@
           <a:p>
             <a:fld id="{DB9B2620-33D4-4363-9058-B46602A3CF96}" type="datetime1">
               <a:rPr lang="de-DE" noProof="0" smtClean="0"/>
-              <a:t>13.12.22</a:t>
+              <a:t>14.12.22</a:t>
             </a:fld>
             <a:endParaRPr lang="de-DE" noProof="0" dirty="0"/>
           </a:p>
@@ -6512,7 +6520,7 @@
             <a:fld id="{DB9B2620-33D4-4363-9058-B46602A3CF96}" type="datetime1">
               <a:rPr lang="de-DE" smtClean="0"/>
               <a:pPr/>
-              <a:t>13.12.22</a:t>
+              <a:t>14.12.22</a:t>
             </a:fld>
             <a:endParaRPr lang="de-DE" dirty="0"/>
           </a:p>
@@ -9432,7 +9440,7 @@
           <a:p>
             <a:fld id="{4680A733-F83D-4D19-AF27-7B0B870C8599}" type="datetime1">
               <a:rPr lang="de-DE" noProof="0" smtClean="0"/>
-              <a:t>13.12.22</a:t>
+              <a:t>14.12.22</a:t>
             </a:fld>
             <a:endParaRPr lang="de-DE" noProof="0" dirty="0"/>
           </a:p>
@@ -10612,7 +10620,7 @@
           <a:p>
             <a:fld id="{4680A733-F83D-4D19-AF27-7B0B870C8599}" type="datetime1">
               <a:rPr lang="de-DE" noProof="0" smtClean="0"/>
-              <a:t>13.12.22</a:t>
+              <a:t>14.12.22</a:t>
             </a:fld>
             <a:endParaRPr lang="de-DE" noProof="0" dirty="0"/>
           </a:p>
@@ -11269,7 +11277,7 @@
           <a:p>
             <a:fld id="{4680A733-F83D-4D19-AF27-7B0B870C8599}" type="datetime1">
               <a:rPr lang="de-DE" noProof="0" smtClean="0"/>
-              <a:t>13.12.22</a:t>
+              <a:t>14.12.22</a:t>
             </a:fld>
             <a:endParaRPr lang="de-DE" noProof="0" dirty="0"/>
           </a:p>
@@ -13313,7 +13321,7 @@
           <a:p>
             <a:fld id="{4680A733-F83D-4D19-AF27-7B0B870C8599}" type="datetime1">
               <a:rPr lang="de-DE" noProof="0" smtClean="0"/>
-              <a:t>13.12.22</a:t>
+              <a:t>14.12.22</a:t>
             </a:fld>
             <a:endParaRPr lang="de-DE" noProof="0" dirty="0"/>
           </a:p>
@@ -14352,7 +14360,7 @@
           <a:p>
             <a:fld id="{08B3B7C1-E14D-4EAB-A71F-7EC5978795B3}" type="datetime1">
               <a:rPr lang="de-DE" smtClean="0"/>
-              <a:t>13.12.22</a:t>
+              <a:t>14.12.22</a:t>
             </a:fld>
             <a:endParaRPr lang="de-DE" dirty="0"/>
           </a:p>
@@ -14930,7 +14938,7 @@
           <a:p>
             <a:fld id="{4680A733-F83D-4D19-AF27-7B0B870C8599}" type="datetime1">
               <a:rPr lang="de-DE" noProof="0" smtClean="0"/>
-              <a:t>13.12.22</a:t>
+              <a:t>14.12.22</a:t>
             </a:fld>
             <a:endParaRPr lang="de-DE" noProof="0" dirty="0"/>
           </a:p>
@@ -16149,7 +16157,7 @@
           <a:p>
             <a:fld id="{4680A733-F83D-4D19-AF27-7B0B870C8599}" type="datetime1">
               <a:rPr lang="de-DE" noProof="0" smtClean="0"/>
-              <a:t>13.12.22</a:t>
+              <a:t>14.12.22</a:t>
             </a:fld>
             <a:endParaRPr lang="de-DE" noProof="0" dirty="0"/>
           </a:p>
@@ -16657,7 +16665,7 @@
           <a:p>
             <a:fld id="{4680A733-F83D-4D19-AF27-7B0B870C8599}" type="datetime1">
               <a:rPr lang="de-DE" noProof="0" smtClean="0"/>
-              <a:t>13.12.22</a:t>
+              <a:t>14.12.22</a:t>
             </a:fld>
             <a:endParaRPr lang="de-DE" noProof="0" dirty="0"/>
           </a:p>
@@ -17185,7 +17193,7 @@
             <a:fld id="{4680A733-F83D-4D19-AF27-7B0B870C8599}" type="datetime1">
               <a:rPr lang="de-DE" smtClean="0"/>
               <a:pPr/>
-              <a:t>13.12.22</a:t>
+              <a:t>14.12.22</a:t>
             </a:fld>
             <a:endParaRPr lang="de-DE" dirty="0"/>
           </a:p>
@@ -17883,7 +17891,7 @@
           <a:p>
             <a:fld id="{4680A733-F83D-4D19-AF27-7B0B870C8599}" type="datetime1">
               <a:rPr lang="de-DE" noProof="0" smtClean="0"/>
-              <a:t>13.12.22</a:t>
+              <a:t>14.12.22</a:t>
             </a:fld>
             <a:endParaRPr lang="de-DE" noProof="0" dirty="0"/>
           </a:p>
@@ -18883,7 +18891,7 @@
           <a:p>
             <a:fld id="{4680A733-F83D-4D19-AF27-7B0B870C8599}" type="datetime1">
               <a:rPr lang="de-DE" noProof="0" smtClean="0"/>
-              <a:t>13.12.22</a:t>
+              <a:t>14.12.22</a:t>
             </a:fld>
             <a:endParaRPr lang="de-DE" noProof="0" dirty="0"/>
           </a:p>
@@ -19837,7 +19845,7 @@
           <a:p>
             <a:fld id="{4680A733-F83D-4D19-AF27-7B0B870C8599}" type="datetime1">
               <a:rPr lang="de-DE" noProof="0" smtClean="0"/>
-              <a:t>13.12.22</a:t>
+              <a:t>14.12.22</a:t>
             </a:fld>
             <a:endParaRPr lang="de-DE" noProof="0" dirty="0"/>
           </a:p>
@@ -20398,7 +20406,7 @@
           <a:p>
             <a:fld id="{4680A733-F83D-4D19-AF27-7B0B870C8599}" type="datetime1">
               <a:rPr lang="de-DE" noProof="0" smtClean="0"/>
-              <a:t>13.12.22</a:t>
+              <a:t>14.12.22</a:t>
             </a:fld>
             <a:endParaRPr lang="de-DE" noProof="0" dirty="0"/>
           </a:p>
@@ -20639,7 +20647,7 @@
           <a:p>
             <a:fld id="{4680A733-F83D-4D19-AF27-7B0B870C8599}" type="datetime1">
               <a:rPr lang="de-DE" noProof="0" smtClean="0"/>
-              <a:t>13.12.22</a:t>
+              <a:t>14.12.22</a:t>
             </a:fld>
             <a:endParaRPr lang="de-DE" noProof="0" dirty="0"/>
           </a:p>
@@ -23864,7 +23872,7 @@
           <a:p>
             <a:fld id="{4680A733-F83D-4D19-AF27-7B0B870C8599}" type="datetime1">
               <a:rPr lang="de-DE" noProof="0" smtClean="0"/>
-              <a:t>13.12.22</a:t>
+              <a:t>14.12.22</a:t>
             </a:fld>
             <a:endParaRPr lang="de-DE" noProof="0" dirty="0"/>
           </a:p>
@@ -24767,7 +24775,7 @@
           <a:p>
             <a:fld id="{4680A733-F83D-4D19-AF27-7B0B870C8599}" type="datetime1">
               <a:rPr lang="de-DE" noProof="0" smtClean="0"/>
-              <a:t>13.12.22</a:t>
+              <a:t>14.12.22</a:t>
             </a:fld>
             <a:endParaRPr lang="de-DE" noProof="0" dirty="0"/>
           </a:p>
@@ -25034,7 +25042,7 @@
             <a:fld id="{4680A733-F83D-4D19-AF27-7B0B870C8599}" type="datetime1">
               <a:rPr lang="de-DE" smtClean="0"/>
               <a:pPr/>
-              <a:t>13.12.22</a:t>
+              <a:t>14.12.22</a:t>
             </a:fld>
             <a:endParaRPr lang="de-DE" dirty="0"/>
           </a:p>
@@ -25251,7 +25259,7 @@
           <a:p>
             <a:fld id="{4680A733-F83D-4D19-AF27-7B0B870C8599}" type="datetime1">
               <a:rPr lang="de-DE" noProof="0" smtClean="0"/>
-              <a:t>13.12.22</a:t>
+              <a:t>14.12.22</a:t>
             </a:fld>
             <a:endParaRPr lang="de-DE" noProof="0" dirty="0"/>
           </a:p>
@@ -27974,7 +27982,7 @@
           <a:p>
             <a:fld id="{4680A733-F83D-4D19-AF27-7B0B870C8599}" type="datetime1">
               <a:rPr lang="de-DE" noProof="0" smtClean="0"/>
-              <a:t>13.12.22</a:t>
+              <a:t>14.12.22</a:t>
             </a:fld>
             <a:endParaRPr lang="de-DE" noProof="0" dirty="0"/>
           </a:p>
@@ -31593,7 +31601,7 @@
           <a:p>
             <a:fld id="{4680A733-F83D-4D19-AF27-7B0B870C8599}" type="datetime1">
               <a:rPr lang="de-DE" noProof="0" smtClean="0"/>
-              <a:t>13.12.22</a:t>
+              <a:t>14.12.22</a:t>
             </a:fld>
             <a:endParaRPr lang="de-DE" noProof="0" dirty="0"/>
           </a:p>
@@ -32786,7 +32794,7 @@
           <a:p>
             <a:fld id="{4680A733-F83D-4D19-AF27-7B0B870C8599}" type="datetime1">
               <a:rPr lang="de-DE" noProof="0" smtClean="0"/>
-              <a:t>13.12.22</a:t>
+              <a:t>14.12.22</a:t>
             </a:fld>
             <a:endParaRPr lang="de-DE" noProof="0" dirty="0"/>
           </a:p>
@@ -33627,7 +33635,7 @@
           <a:p>
             <a:fld id="{4680A733-F83D-4D19-AF27-7B0B870C8599}" type="datetime1">
               <a:rPr lang="de-DE" noProof="0" smtClean="0"/>
-              <a:t>13.12.22</a:t>
+              <a:t>14.12.22</a:t>
             </a:fld>
             <a:endParaRPr lang="de-DE" noProof="0" dirty="0"/>
           </a:p>
@@ -33950,7 +33958,7 @@
             <a:fld id="{4680A733-F83D-4D19-AF27-7B0B870C8599}" type="datetime1">
               <a:rPr lang="de-DE" smtClean="0"/>
               <a:pPr/>
-              <a:t>13.12.22</a:t>
+              <a:t>14.12.22</a:t>
             </a:fld>
             <a:endParaRPr lang="de-DE" dirty="0"/>
           </a:p>
@@ -34560,15 +34568,15 @@
           <a:lstStyle/>
           <a:p>
             <a:r>
-              <a:rPr lang="en-US"/>
+              <a:rPr lang="en-US" dirty="0"/>
               <a:t>Poster Presentation:</a:t>
             </a:r>
             <a:br>
-              <a:rPr lang="en-US"/>
+              <a:rPr lang="en-US" dirty="0"/>
             </a:br>
             <a:r>
-              <a:rPr lang="en-US"/>
-              <a:t>Continual Model Soups/ Weight Averaging in Continual Learning</a:t>
+              <a:rPr lang="en-US" dirty="0"/>
+              <a:t>Weight Averaging Strategy in Continual Learning</a:t>
             </a:r>
           </a:p>
         </p:txBody>
@@ -34662,6 +34670,38 @@
           <a:chExt cx="0" cy="0"/>
         </a:xfrm>
       </p:grpSpPr>
+      <p:pic>
+        <p:nvPicPr>
+          <p:cNvPr id="20" name="Grafik 19" descr="Ein Bild, das Decke, Mehraufwand, Tag enthält.&#10;&#10;Automatisch generierte Beschreibung">
+            <a:extLst>
+              <a:ext uri="{FF2B5EF4-FFF2-40B4-BE49-F238E27FC236}">
+                <a16:creationId xmlns:a16="http://schemas.microsoft.com/office/drawing/2014/main" id="{D951B3D9-D8DF-B900-ABEC-283E579ACEE9}"/>
+              </a:ext>
+            </a:extLst>
+          </p:cNvPr>
+          <p:cNvPicPr>
+            <a:picLocks noChangeAspect="1"/>
+          </p:cNvPicPr>
+          <p:nvPr/>
+        </p:nvPicPr>
+        <p:blipFill>
+          <a:blip r:embed="rId2">
+            <a:alphaModFix amt="13000"/>
+          </a:blip>
+          <a:stretch>
+            <a:fillRect/>
+          </a:stretch>
+        </p:blipFill>
+        <p:spPr>
+          <a:xfrm rot="20639462">
+            <a:off x="-360189" y="2599584"/>
+            <a:ext cx="12032598" cy="5795291"/>
+          </a:xfrm>
+          <a:prstGeom prst="rtTriangle">
+            <a:avLst/>
+          </a:prstGeom>
+        </p:spPr>
+      </p:pic>
       <p:sp>
         <p:nvSpPr>
           <p:cNvPr id="2" name="Inhaltsplatzhalter 1">
@@ -34689,14 +34729,18 @@
           <a:lstStyle/>
           <a:p>
             <a:r>
-              <a:rPr lang="de-DE" dirty="0"/>
-              <a:t>Statisch</a:t>
-            </a:r>
-          </a:p>
-          <a:p>
-            <a:r>
-              <a:rPr lang="de-DE" dirty="0"/>
-              <a:t>…</a:t>
+              <a:rPr lang="de-DE" dirty="0">
+                <a:ea typeface="Source Sans Pro" panose="020B0503030403020204" pitchFamily="34" charset="0"/>
+              </a:rPr>
+              <a:t>Statisch, unfähig Verhalten über die Zeit anzupassen</a:t>
+            </a:r>
+          </a:p>
+          <a:p>
+            <a:r>
+              <a:rPr lang="de-DE" dirty="0">
+                <a:ea typeface="Source Sans Pro" panose="020B0503030403020204" pitchFamily="34" charset="0"/>
+              </a:rPr>
+              <a:t>Neustart des Trainingsprozesses, sobald neue Daten zur Verfügung stehen</a:t>
             </a:r>
           </a:p>
         </p:txBody>
@@ -34728,14 +34772,18 @@
           <a:lstStyle/>
           <a:p>
             <a:r>
-              <a:rPr lang="de-DE" dirty="0"/>
-              <a:t>Dynamisch</a:t>
-            </a:r>
-          </a:p>
-          <a:p>
-            <a:r>
-              <a:rPr lang="de-DE" dirty="0"/>
-              <a:t>…</a:t>
+              <a:rPr lang="de-DE" dirty="0">
+                <a:ea typeface="Source Sans Pro" panose="020B0503030403020204" pitchFamily="34" charset="0"/>
+              </a:rPr>
+              <a:t>Passen sich kontinuierlich an und können weiterlernen</a:t>
+            </a:r>
+          </a:p>
+          <a:p>
+            <a:r>
+              <a:rPr lang="de-DE" dirty="0">
+                <a:ea typeface="Source Sans Pro" panose="020B0503030403020204" pitchFamily="34" charset="0"/>
+              </a:rPr>
+              <a:t>Problem des Lernens aus einem unendlichen Datenstrom mit dem Ziel, die erworbenen Kenntnisse schrittweise zu erweitern und für künftiges Lernen zu nutzen</a:t>
             </a:r>
           </a:p>
         </p:txBody>
@@ -34763,7 +34811,7 @@
           <a:p>
             <a:fld id="{4680A733-F83D-4D19-AF27-7B0B870C8599}" type="datetime1">
               <a:rPr lang="de-DE" noProof="0" smtClean="0"/>
-              <a:t>13.12.22</a:t>
+              <a:t>14.12.22</a:t>
             </a:fld>
             <a:endParaRPr lang="de-DE" noProof="0" dirty="0"/>
           </a:p>
@@ -34853,31 +34901,6 @@
               <a:rPr lang="de-DE" dirty="0"/>
               <a:t>Continual Learning (CL): Eine kurze Einführung</a:t>
             </a:r>
-          </a:p>
-        </p:txBody>
-      </p:sp>
-      <p:sp>
-        <p:nvSpPr>
-          <p:cNvPr id="8" name="Textplatzhalter 7">
-            <a:extLst>
-              <a:ext uri="{FF2B5EF4-FFF2-40B4-BE49-F238E27FC236}">
-                <a16:creationId xmlns:a16="http://schemas.microsoft.com/office/drawing/2014/main" id="{DF4BDAA4-386B-BF2C-3857-8C873B03FEB2}"/>
-              </a:ext>
-            </a:extLst>
-          </p:cNvPr>
-          <p:cNvSpPr>
-            <a:spLocks noGrp="1"/>
-          </p:cNvSpPr>
-          <p:nvPr>
-            <p:ph type="body" sz="quarter" idx="28"/>
-          </p:nvPr>
-        </p:nvSpPr>
-        <p:spPr/>
-        <p:txBody>
-          <a:bodyPr/>
-          <a:lstStyle/>
-          <a:p>
-            <a:endParaRPr lang="de-DE"/>
           </a:p>
         </p:txBody>
       </p:sp>
@@ -34939,7 +34962,10 @@
               </a:spcAft>
             </a:pPr>
             <a:r>
-              <a:rPr lang="de-DE" dirty="0"/>
+              <a:rPr lang="de-DE" dirty="0">
+                <a:latin typeface="Source Sans Pro" panose="020B0503030403020204" pitchFamily="34" charset="0"/>
+                <a:ea typeface="Source Sans Pro" panose="020B0503030403020204" pitchFamily="34" charset="0"/>
+              </a:rPr>
               <a:t>Klassisches Deep Learning</a:t>
             </a:r>
           </a:p>
@@ -35003,7 +35029,10 @@
               </a:spcAft>
             </a:pPr>
             <a:r>
-              <a:rPr lang="de-DE" dirty="0"/>
+              <a:rPr lang="de-DE" dirty="0">
+                <a:latin typeface="Source Sans Pro" panose="020B0503030403020204" pitchFamily="34" charset="0"/>
+                <a:ea typeface="Source Sans Pro" panose="020B0503030403020204" pitchFamily="34" charset="0"/>
+              </a:rPr>
               <a:t>Continual Learning</a:t>
             </a:r>
           </a:p>
@@ -35023,7 +35052,7 @@
         </p:nvGrpSpPr>
         <p:grpSpPr>
           <a:xfrm>
-            <a:off x="6383238" y="4941168"/>
+            <a:off x="6321008" y="4341854"/>
             <a:ext cx="5328592" cy="288032"/>
             <a:chOff x="982638" y="4437112"/>
             <a:chExt cx="10513168" cy="288032"/>
@@ -35132,7 +35161,7 @@
         </p:nvSpPr>
         <p:spPr>
           <a:xfrm>
-            <a:off x="6455246" y="5373216"/>
+            <a:off x="6393016" y="4773902"/>
             <a:ext cx="5256584" cy="432048"/>
           </a:xfrm>
           <a:prstGeom prst="rect">
@@ -35174,42 +35203,62 @@
             <a:r>
               <a:rPr lang="de-DE" dirty="0">
                 <a:solidFill>
-                  <a:srgbClr val="0E2356"/>
-                </a:solidFill>
+                  <a:schemeClr val="tx2">
+                    <a:lumMod val="75000"/>
+                  </a:schemeClr>
+                </a:solidFill>
+                <a:latin typeface="Source Sans Pro" panose="020B0503030403020204" pitchFamily="34" charset="0"/>
+                <a:ea typeface="Source Sans Pro" panose="020B0503030403020204" pitchFamily="34" charset="0"/>
               </a:rPr>
               <a:t>Problem: “</a:t>
             </a:r>
             <a:r>
               <a:rPr lang="de-DE" dirty="0" err="1">
                 <a:solidFill>
-                  <a:srgbClr val="0E2356"/>
-                </a:solidFill>
+                  <a:schemeClr val="tx2">
+                    <a:lumMod val="75000"/>
+                  </a:schemeClr>
+                </a:solidFill>
+                <a:latin typeface="Source Sans Pro" panose="020B0503030403020204" pitchFamily="34" charset="0"/>
+                <a:ea typeface="Source Sans Pro" panose="020B0503030403020204" pitchFamily="34" charset="0"/>
               </a:rPr>
               <a:t>Catastrophic</a:t>
             </a:r>
             <a:r>
               <a:rPr lang="de-DE" dirty="0">
                 <a:solidFill>
-                  <a:srgbClr val="0E2356"/>
-                </a:solidFill>
+                  <a:schemeClr val="tx2">
+                    <a:lumMod val="75000"/>
+                  </a:schemeClr>
+                </a:solidFill>
+                <a:latin typeface="Source Sans Pro" panose="020B0503030403020204" pitchFamily="34" charset="0"/>
+                <a:ea typeface="Source Sans Pro" panose="020B0503030403020204" pitchFamily="34" charset="0"/>
               </a:rPr>
               <a:t> </a:t>
             </a:r>
             <a:r>
               <a:rPr lang="de-DE" dirty="0" err="1">
                 <a:solidFill>
-                  <a:srgbClr val="0E2356"/>
-                </a:solidFill>
+                  <a:schemeClr val="tx2">
+                    <a:lumMod val="75000"/>
+                  </a:schemeClr>
+                </a:solidFill>
+                <a:latin typeface="Source Sans Pro" panose="020B0503030403020204" pitchFamily="34" charset="0"/>
+                <a:ea typeface="Source Sans Pro" panose="020B0503030403020204" pitchFamily="34" charset="0"/>
               </a:rPr>
               <a:t>Forgetting</a:t>
             </a:r>
             <a:r>
               <a:rPr lang="de-DE" dirty="0">
                 <a:solidFill>
-                  <a:srgbClr val="0E2356"/>
-                </a:solidFill>
+                  <a:schemeClr val="tx2">
+                    <a:lumMod val="75000"/>
+                  </a:schemeClr>
+                </a:solidFill>
+                <a:latin typeface="Source Sans Pro" panose="020B0503030403020204" pitchFamily="34" charset="0"/>
+                <a:ea typeface="Source Sans Pro" panose="020B0503030403020204" pitchFamily="34" charset="0"/>
               </a:rPr>
-              <a:t>“</a:t>
+              <a:t>“ alter Konzepte sobald neue gelernt werde</a:t>
             </a:r>
           </a:p>
         </p:txBody>
@@ -35275,7 +35324,7 @@
           <a:p>
             <a:fld id="{4680A733-F83D-4D19-AF27-7B0B870C8599}" type="datetime1">
               <a:rPr lang="de-DE" noProof="0" smtClean="0"/>
-              <a:t>13.12.22</a:t>
+              <a:t>14.12.22</a:t>
             </a:fld>
             <a:endParaRPr lang="de-DE" noProof="0" dirty="0"/>
           </a:p>
@@ -35424,7 +35473,10 @@
               </a:spcAft>
             </a:pPr>
             <a:r>
-              <a:rPr lang="de-DE" dirty="0"/>
+              <a:rPr lang="de-DE" dirty="0">
+                <a:latin typeface="Source Sans Pro" panose="020B0503030403020204" pitchFamily="34" charset="0"/>
+                <a:ea typeface="Source Sans Pro" panose="020B0503030403020204" pitchFamily="34" charset="0"/>
+              </a:rPr>
               <a:t>„Altes“ Modell</a:t>
             </a:r>
           </a:p>
@@ -35484,7 +35536,10 @@
               </a:spcAft>
             </a:pPr>
             <a:r>
-              <a:rPr lang="de-DE" dirty="0"/>
+              <a:rPr lang="de-DE" dirty="0">
+                <a:latin typeface="Source Sans Pro" panose="020B0503030403020204" pitchFamily="34" charset="0"/>
+                <a:ea typeface="Source Sans Pro" panose="020B0503030403020204" pitchFamily="34" charset="0"/>
+              </a:rPr>
               <a:t>„Neues“ Modell</a:t>
             </a:r>
           </a:p>
@@ -35587,7 +35642,10 @@
               </a:lnSpc>
             </a:pPr>
             <a:r>
-              <a:rPr lang="de-DE" dirty="0"/>
+              <a:rPr lang="de-DE" dirty="0">
+                <a:latin typeface="Source Sans Pro" panose="020B0503030403020204" pitchFamily="34" charset="0"/>
+                <a:ea typeface="Source Sans Pro" panose="020B0503030403020204" pitchFamily="34" charset="0"/>
+              </a:rPr>
               <a:t>Ange-</a:t>
             </a:r>
           </a:p>
@@ -35598,7 +35656,10 @@
               </a:lnSpc>
             </a:pPr>
             <a:r>
-              <a:rPr lang="de-DE" dirty="0"/>
+              <a:rPr lang="de-DE" dirty="0">
+                <a:latin typeface="Source Sans Pro" panose="020B0503030403020204" pitchFamily="34" charset="0"/>
+                <a:ea typeface="Source Sans Pro" panose="020B0503030403020204" pitchFamily="34" charset="0"/>
+              </a:rPr>
               <a:t>passtes</a:t>
             </a:r>
           </a:p>
@@ -35609,10 +35670,16 @@
               </a:lnSpc>
             </a:pPr>
             <a:r>
-              <a:rPr lang="de-DE" dirty="0"/>
+              <a:rPr lang="de-DE" dirty="0">
+                <a:latin typeface="Source Sans Pro" panose="020B0503030403020204" pitchFamily="34" charset="0"/>
+                <a:ea typeface="Source Sans Pro" panose="020B0503030403020204" pitchFamily="34" charset="0"/>
+              </a:rPr>
               <a:t>Modell</a:t>
             </a:r>
-            <a:endParaRPr lang="de-DE" sz="2000" dirty="0"/>
+            <a:endParaRPr lang="de-DE" sz="2000" dirty="0">
+              <a:latin typeface="Source Sans Pro" panose="020B0503030403020204" pitchFamily="34" charset="0"/>
+              <a:ea typeface="Source Sans Pro" panose="020B0503030403020204" pitchFamily="34" charset="0"/>
+            </a:endParaRPr>
           </a:p>
         </p:txBody>
       </p:sp>
@@ -35748,6 +35815,8 @@
                 <a:solidFill>
                   <a:srgbClr val="0E2356"/>
                 </a:solidFill>
+                <a:latin typeface="Source Sans Pro" panose="020B0503030403020204" pitchFamily="34" charset="0"/>
+                <a:ea typeface="Source Sans Pro" panose="020B0503030403020204" pitchFamily="34" charset="0"/>
               </a:rPr>
               <a:t>Gewichtung der „weights“</a:t>
             </a:r>
@@ -35792,6 +35861,8 @@
                 <a:solidFill>
                   <a:srgbClr val="0E2356"/>
                 </a:solidFill>
+                <a:latin typeface="Source Sans Pro" panose="020B0503030403020204" pitchFamily="34" charset="0"/>
+                <a:ea typeface="Source Sans Pro" panose="020B0503030403020204" pitchFamily="34" charset="0"/>
               </a:rPr>
               <a:t>Neue </a:t>
             </a:r>
@@ -35807,6 +35878,8 @@
                 <a:solidFill>
                   <a:srgbClr val="0E2356"/>
                 </a:solidFill>
+                <a:latin typeface="Source Sans Pro" panose="020B0503030403020204" pitchFamily="34" charset="0"/>
+                <a:ea typeface="Source Sans Pro" panose="020B0503030403020204" pitchFamily="34" charset="0"/>
               </a:rPr>
               <a:t>Erfahrung</a:t>
             </a:r>
@@ -35905,6 +35978,8 @@
                     <a:lumMod val="75000"/>
                   </a:schemeClr>
                 </a:solidFill>
+                <a:latin typeface="Source Sans Pro" panose="020B0503030403020204" pitchFamily="34" charset="0"/>
+                <a:ea typeface="Source Sans Pro" panose="020B0503030403020204" pitchFamily="34" charset="0"/>
               </a:rPr>
               <a:t>Nächste Erfahrung</a:t>
             </a:r>
@@ -36194,6 +36269,7 @@
               </a:pPr>
               <a:endParaRPr lang="de-DE" noProof="0" dirty="0">
                 <a:latin typeface="Source Sans Pro" panose="020B0503030403020204" pitchFamily="34" charset="0"/>
+                <a:ea typeface="Source Sans Pro" panose="020B0503030403020204" pitchFamily="34" charset="0"/>
               </a:endParaRPr>
             </a:p>
           </p:txBody>
@@ -36260,7 +36336,8 @@
                   <a:solidFill>
                     <a:srgbClr val="0E2356"/>
                   </a:solidFill>
-                  <a:latin typeface="+mj-lt"/>
+                  <a:latin typeface="Source Sans Pro" panose="020B0503030403020204" pitchFamily="34" charset="0"/>
+                  <a:ea typeface="Source Sans Pro" panose="020B0503030403020204" pitchFamily="34" charset="0"/>
                 </a:rPr>
                 <a:t>Verschiedene Datensätze</a:t>
               </a:r>
@@ -36442,6 +36519,7 @@
               </a:pPr>
               <a:endParaRPr lang="de-DE" noProof="0" dirty="0">
                 <a:latin typeface="Source Sans Pro" panose="020B0503030403020204" pitchFamily="34" charset="0"/>
+                <a:ea typeface="Source Sans Pro" panose="020B0503030403020204" pitchFamily="34" charset="0"/>
               </a:endParaRPr>
             </a:p>
           </p:txBody>
@@ -36508,7 +36586,8 @@
                   <a:solidFill>
                     <a:srgbClr val="0E2356"/>
                   </a:solidFill>
-                  <a:latin typeface="+mj-lt"/>
+                  <a:latin typeface="Source Sans Pro" panose="020B0503030403020204" pitchFamily="34" charset="0"/>
+                  <a:ea typeface="Source Sans Pro" panose="020B0503030403020204" pitchFamily="34" charset="0"/>
                 </a:rPr>
                 <a:t>Validierung/ Benchmarks</a:t>
               </a:r>
@@ -36690,6 +36769,7 @@
               </a:pPr>
               <a:endParaRPr lang="de-DE" noProof="0" dirty="0">
                 <a:latin typeface="Source Sans Pro" panose="020B0503030403020204" pitchFamily="34" charset="0"/>
+                <a:ea typeface="Source Sans Pro" panose="020B0503030403020204" pitchFamily="34" charset="0"/>
               </a:endParaRPr>
             </a:p>
           </p:txBody>
@@ -36756,7 +36836,8 @@
                   <a:solidFill>
                     <a:srgbClr val="0E2356"/>
                   </a:solidFill>
-                  <a:latin typeface="+mj-lt"/>
+                  <a:latin typeface="Source Sans Pro" panose="020B0503030403020204" pitchFamily="34" charset="0"/>
+                  <a:ea typeface="Source Sans Pro" panose="020B0503030403020204" pitchFamily="34" charset="0"/>
                 </a:rPr>
                 <a:t>Sensitivitäts-analysen</a:t>
               </a:r>
@@ -36938,6 +37019,7 @@
               </a:pPr>
               <a:endParaRPr lang="de-DE" noProof="0" dirty="0">
                 <a:latin typeface="Source Sans Pro" panose="020B0503030403020204" pitchFamily="34" charset="0"/>
+                <a:ea typeface="Source Sans Pro" panose="020B0503030403020204" pitchFamily="34" charset="0"/>
               </a:endParaRPr>
             </a:p>
           </p:txBody>
@@ -37004,7 +37086,8 @@
                   <a:solidFill>
                     <a:srgbClr val="0E2356"/>
                   </a:solidFill>
-                  <a:latin typeface="+mj-lt"/>
+                  <a:latin typeface="Source Sans Pro" panose="020B0503030403020204" pitchFamily="34" charset="0"/>
+                  <a:ea typeface="Source Sans Pro" panose="020B0503030403020204" pitchFamily="34" charset="0"/>
                 </a:rPr>
                 <a:t>Verschiedene CL-Szenarien</a:t>
               </a:r>
@@ -37070,7 +37153,10 @@
               </a:spcAft>
             </a:pPr>
             <a:r>
-              <a:rPr lang="de-DE" dirty="0"/>
+              <a:rPr lang="de-DE" dirty="0">
+                <a:latin typeface="Source Sans Pro" panose="020B0503030403020204" pitchFamily="34" charset="0"/>
+                <a:ea typeface="Source Sans Pro" panose="020B0503030403020204" pitchFamily="34" charset="0"/>
+              </a:rPr>
               <a:t>Idee des Weight Averaging</a:t>
             </a:r>
           </a:p>
@@ -37134,7 +37220,10 @@
               </a:spcAft>
             </a:pPr>
             <a:r>
-              <a:rPr lang="de-DE" dirty="0"/>
+              <a:rPr lang="de-DE" dirty="0">
+                <a:latin typeface="Source Sans Pro" panose="020B0503030403020204" pitchFamily="34" charset="0"/>
+                <a:ea typeface="Source Sans Pro" panose="020B0503030403020204" pitchFamily="34" charset="0"/>
+              </a:rPr>
               <a:t>Experimente</a:t>
             </a:r>
           </a:p>
@@ -37230,7 +37319,7 @@
           <a:p>
             <a:fld id="{4680A733-F83D-4D19-AF27-7B0B870C8599}" type="datetime1">
               <a:rPr lang="de-DE" noProof="0" smtClean="0"/>
-              <a:t>13.12.22</a:t>
+              <a:t>14.12.22</a:t>
             </a:fld>
             <a:endParaRPr lang="de-DE" noProof="0" dirty="0"/>
           </a:p>
@@ -37324,31 +37413,6 @@
               <a:rPr lang="de-DE" dirty="0"/>
               <a:t>Weight Averaging als CL-Strategie: Erste Ergebnisse</a:t>
             </a:r>
-          </a:p>
-        </p:txBody>
-      </p:sp>
-      <p:sp>
-        <p:nvSpPr>
-          <p:cNvPr id="8" name="Textplatzhalter 7">
-            <a:extLst>
-              <a:ext uri="{FF2B5EF4-FFF2-40B4-BE49-F238E27FC236}">
-                <a16:creationId xmlns:a16="http://schemas.microsoft.com/office/drawing/2014/main" id="{3ADA0F5A-0CB1-8CF0-C93E-989A41B03F8F}"/>
-              </a:ext>
-            </a:extLst>
-          </p:cNvPr>
-          <p:cNvSpPr>
-            <a:spLocks noGrp="1"/>
-          </p:cNvSpPr>
-          <p:nvPr>
-            <p:ph type="body" sz="quarter" idx="28"/>
-          </p:nvPr>
-        </p:nvSpPr>
-        <p:spPr/>
-        <p:txBody>
-          <a:bodyPr/>
-          <a:lstStyle/>
-          <a:p>
-            <a:endParaRPr lang="de-DE" dirty="0"/>
           </a:p>
         </p:txBody>
       </p:sp>
@@ -37486,6 +37550,8 @@
                   <a:lumMod val="75000"/>
                 </a:schemeClr>
               </a:solidFill>
+              <a:latin typeface="Source Sans Pro" panose="020B0503030403020204" pitchFamily="34" charset="0"/>
+              <a:ea typeface="Source Sans Pro" panose="020B0503030403020204" pitchFamily="34" charset="0"/>
             </a:endParaRPr>
           </a:p>
         </p:txBody>
@@ -37534,6 +37600,8 @@
                   <a:lumMod val="75000"/>
                 </a:schemeClr>
               </a:solidFill>
+              <a:latin typeface="Source Sans Pro" panose="020B0503030403020204" pitchFamily="34" charset="0"/>
+              <a:ea typeface="Source Sans Pro" panose="020B0503030403020204" pitchFamily="34" charset="0"/>
             </a:endParaRPr>
           </a:p>
         </p:txBody>
@@ -37705,8 +37773,12 @@
             <a:r>
               <a:rPr lang="de-DE" sz="1200" dirty="0">
                 <a:solidFill>
-                  <a:srgbClr val="0E2356"/>
-                </a:solidFill>
+                  <a:schemeClr val="tx2">
+                    <a:lumMod val="75000"/>
+                  </a:schemeClr>
+                </a:solidFill>
+                <a:latin typeface="Source Sans Pro" panose="020B0503030403020204" pitchFamily="34" charset="0"/>
+                <a:ea typeface="Source Sans Pro" panose="020B0503030403020204" pitchFamily="34" charset="0"/>
               </a:rPr>
               <a:t>Sehr schnell im Vergleich zu anderen CL-Strategien</a:t>
             </a:r>
@@ -37725,24 +37797,36 @@
             <a:r>
               <a:rPr lang="de-DE" sz="1200" dirty="0">
                 <a:solidFill>
-                  <a:srgbClr val="0E2356"/>
-                </a:solidFill>
+                  <a:schemeClr val="tx2">
+                    <a:lumMod val="75000"/>
+                  </a:schemeClr>
+                </a:solidFill>
+                <a:latin typeface="Source Sans Pro" panose="020B0503030403020204" pitchFamily="34" charset="0"/>
+                <a:ea typeface="Source Sans Pro" panose="020B0503030403020204" pitchFamily="34" charset="0"/>
               </a:rPr>
               <a:t>Vielversprechende </a:t>
             </a:r>
             <a:r>
               <a:rPr lang="de-DE" sz="1200" dirty="0" err="1">
                 <a:solidFill>
-                  <a:srgbClr val="0E2356"/>
-                </a:solidFill>
+                  <a:schemeClr val="tx2">
+                    <a:lumMod val="75000"/>
+                  </a:schemeClr>
+                </a:solidFill>
+                <a:latin typeface="Source Sans Pro" panose="020B0503030403020204" pitchFamily="34" charset="0"/>
+                <a:ea typeface="Source Sans Pro" panose="020B0503030403020204" pitchFamily="34" charset="0"/>
               </a:rPr>
               <a:t>Accuracy</a:t>
             </a:r>
             <a:r>
               <a:rPr lang="de-DE" sz="1200" dirty="0">
                 <a:solidFill>
-                  <a:srgbClr val="0E2356"/>
-                </a:solidFill>
+                  <a:schemeClr val="tx2">
+                    <a:lumMod val="75000"/>
+                  </a:schemeClr>
+                </a:solidFill>
+                <a:latin typeface="Source Sans Pro" panose="020B0503030403020204" pitchFamily="34" charset="0"/>
+                <a:ea typeface="Source Sans Pro" panose="020B0503030403020204" pitchFamily="34" charset="0"/>
               </a:rPr>
               <a:t> bei gut gefitteten Modellen (teilweise besser als rechenaufwendigere Benchmarks)</a:t>
             </a:r>
@@ -37761,10 +37845,14 @@
             <a:r>
               <a:rPr lang="de-DE" sz="1200" dirty="0">
                 <a:solidFill>
-                  <a:srgbClr val="0E2356"/>
-                </a:solidFill>
+                  <a:schemeClr val="tx2">
+                    <a:lumMod val="75000"/>
+                  </a:schemeClr>
+                </a:solidFill>
+                <a:latin typeface="Source Sans Pro" panose="020B0503030403020204" pitchFamily="34" charset="0"/>
+                <a:ea typeface="Source Sans Pro" panose="020B0503030403020204" pitchFamily="34" charset="0"/>
               </a:rPr>
-              <a:t>Mittelwert der Gewichte</a:t>
+              <a:t>Gewichtungsmethode: Gleichgewichtung (0,5)</a:t>
             </a:r>
           </a:p>
         </p:txBody>
@@ -37813,6 +37901,8 @@
                   <a:lumMod val="75000"/>
                 </a:schemeClr>
               </a:solidFill>
+              <a:latin typeface="Source Sans Pro" panose="020B0503030403020204" pitchFamily="34" charset="0"/>
+              <a:ea typeface="Source Sans Pro" panose="020B0503030403020204" pitchFamily="34" charset="0"/>
             </a:endParaRPr>
           </a:p>
         </p:txBody>
@@ -37861,6 +37951,8 @@
                   <a:lumMod val="75000"/>
                 </a:schemeClr>
               </a:solidFill>
+              <a:latin typeface="Source Sans Pro" panose="020B0503030403020204" pitchFamily="34" charset="0"/>
+              <a:ea typeface="Source Sans Pro" panose="020B0503030403020204" pitchFamily="34" charset="0"/>
             </a:endParaRPr>
           </a:p>
         </p:txBody>
@@ -37921,8 +38013,11 @@
               </a:spcAft>
             </a:pPr>
             <a:r>
-              <a:rPr lang="de-DE" sz="1600" dirty="0"/>
-              <a:t>Das funktioniert besser</a:t>
+              <a:rPr lang="de-DE" sz="1600" dirty="0">
+                <a:latin typeface="Source Sans Pro" panose="020B0503030403020204" pitchFamily="34" charset="0"/>
+                <a:ea typeface="Source Sans Pro" panose="020B0503030403020204" pitchFamily="34" charset="0"/>
+              </a:rPr>
+              <a:t>Das funktioniert (bisher) besser</a:t>
             </a:r>
           </a:p>
         </p:txBody>
@@ -37985,56 +38080,84 @@
             <a:r>
               <a:rPr lang="de-DE" sz="1200" dirty="0">
                 <a:solidFill>
-                  <a:srgbClr val="0E2356"/>
-                </a:solidFill>
+                  <a:schemeClr val="tx2">
+                    <a:lumMod val="75000"/>
+                  </a:schemeClr>
+                </a:solidFill>
+                <a:latin typeface="Source Sans Pro" panose="020B0503030403020204" pitchFamily="34" charset="0"/>
+                <a:ea typeface="Source Sans Pro" panose="020B0503030403020204" pitchFamily="34" charset="0"/>
               </a:rPr>
               <a:t>Stärkeres “</a:t>
             </a:r>
             <a:r>
               <a:rPr lang="de-DE" sz="1200" dirty="0" err="1">
                 <a:solidFill>
-                  <a:srgbClr val="0E2356"/>
-                </a:solidFill>
+                  <a:schemeClr val="tx2">
+                    <a:lumMod val="75000"/>
+                  </a:schemeClr>
+                </a:solidFill>
+                <a:latin typeface="Source Sans Pro" panose="020B0503030403020204" pitchFamily="34" charset="0"/>
+                <a:ea typeface="Source Sans Pro" panose="020B0503030403020204" pitchFamily="34" charset="0"/>
               </a:rPr>
               <a:t>Catastrophic</a:t>
             </a:r>
             <a:r>
               <a:rPr lang="de-DE" sz="1200" dirty="0">
                 <a:solidFill>
-                  <a:srgbClr val="0E2356"/>
-                </a:solidFill>
+                  <a:schemeClr val="tx2">
+                    <a:lumMod val="75000"/>
+                  </a:schemeClr>
+                </a:solidFill>
+                <a:latin typeface="Source Sans Pro" panose="020B0503030403020204" pitchFamily="34" charset="0"/>
+                <a:ea typeface="Source Sans Pro" panose="020B0503030403020204" pitchFamily="34" charset="0"/>
               </a:rPr>
               <a:t> </a:t>
             </a:r>
             <a:r>
               <a:rPr lang="de-DE" sz="1200" dirty="0" err="1">
                 <a:solidFill>
-                  <a:srgbClr val="0E2356"/>
-                </a:solidFill>
+                  <a:schemeClr val="tx2">
+                    <a:lumMod val="75000"/>
+                  </a:schemeClr>
+                </a:solidFill>
+                <a:latin typeface="Source Sans Pro" panose="020B0503030403020204" pitchFamily="34" charset="0"/>
+                <a:ea typeface="Source Sans Pro" panose="020B0503030403020204" pitchFamily="34" charset="0"/>
               </a:rPr>
               <a:t>Forgetting</a:t>
             </a:r>
             <a:r>
               <a:rPr lang="de-DE" sz="1200" dirty="0">
                 <a:solidFill>
-                  <a:srgbClr val="0E2356"/>
-                </a:solidFill>
+                  <a:schemeClr val="tx2">
+                    <a:lumMod val="75000"/>
+                  </a:schemeClr>
+                </a:solidFill>
+                <a:latin typeface="Source Sans Pro" panose="020B0503030403020204" pitchFamily="34" charset="0"/>
+                <a:ea typeface="Source Sans Pro" panose="020B0503030403020204" pitchFamily="34" charset="0"/>
               </a:rPr>
               <a:t>“ bei </a:t>
             </a:r>
             <a:r>
               <a:rPr lang="de-DE" sz="1200" dirty="0" err="1">
                 <a:solidFill>
-                  <a:srgbClr val="0E2356"/>
-                </a:solidFill>
+                  <a:schemeClr val="tx2">
+                    <a:lumMod val="75000"/>
+                  </a:schemeClr>
+                </a:solidFill>
+                <a:latin typeface="Source Sans Pro" panose="020B0503030403020204" pitchFamily="34" charset="0"/>
+                <a:ea typeface="Source Sans Pro" panose="020B0503030403020204" pitchFamily="34" charset="0"/>
               </a:rPr>
               <a:t>Overfitting</a:t>
             </a:r>
             <a:r>
               <a:rPr lang="de-DE" sz="1200" dirty="0">
                 <a:solidFill>
-                  <a:srgbClr val="0E2356"/>
-                </a:solidFill>
+                  <a:schemeClr val="tx2">
+                    <a:lumMod val="75000"/>
+                  </a:schemeClr>
+                </a:solidFill>
+                <a:latin typeface="Source Sans Pro" panose="020B0503030403020204" pitchFamily="34" charset="0"/>
+                <a:ea typeface="Source Sans Pro" panose="020B0503030403020204" pitchFamily="34" charset="0"/>
               </a:rPr>
               <a:t> als EWC</a:t>
             </a:r>
@@ -38053,30 +38176,14 @@
             <a:r>
               <a:rPr lang="de-DE" sz="1200" dirty="0">
                 <a:solidFill>
-                  <a:srgbClr val="0E2356"/>
-                </a:solidFill>
+                  <a:schemeClr val="tx2">
+                    <a:lumMod val="75000"/>
+                  </a:schemeClr>
+                </a:solidFill>
+                <a:latin typeface="Source Sans Pro" panose="020B0503030403020204" pitchFamily="34" charset="0"/>
+                <a:ea typeface="Source Sans Pro" panose="020B0503030403020204" pitchFamily="34" charset="0"/>
               </a:rPr>
-              <a:t>…</a:t>
-            </a:r>
-          </a:p>
-          <a:p>
-            <a:pPr marL="285750" indent="-285750">
-              <a:lnSpc>
-                <a:spcPct val="90000"/>
-              </a:lnSpc>
-              <a:spcAft>
-                <a:spcPts val="1000"/>
-              </a:spcAft>
-              <a:buFont typeface="Arial" panose="020B0604020202020204" pitchFamily="34" charset="0"/>
-              <a:buChar char="•"/>
-            </a:pPr>
-            <a:r>
-              <a:rPr lang="de-DE" sz="1200" dirty="0">
-                <a:solidFill>
-                  <a:srgbClr val="0E2356"/>
-                </a:solidFill>
-              </a:rPr>
-              <a:t>Abnehmende Gewichte über die Zeit, da fehlende Anpassung an neue Domaine</a:t>
+              <a:t>Gewichtungsmethode: Abnehmende Gewichte über die Zeit</a:t>
             </a:r>
           </a:p>
         </p:txBody>
@@ -38140,8 +38247,11 @@
               </a:spcAft>
             </a:pPr>
             <a:r>
-              <a:rPr lang="de-DE" sz="1600" dirty="0"/>
-              <a:t>Das funktioniert schlechter</a:t>
+              <a:rPr lang="de-DE" sz="1600" dirty="0">
+                <a:latin typeface="Source Sans Pro" panose="020B0503030403020204" pitchFamily="34" charset="0"/>
+                <a:ea typeface="Source Sans Pro" panose="020B0503030403020204" pitchFamily="34" charset="0"/>
+              </a:rPr>
+              <a:t>Das funktioniert (bisher) schlechter</a:t>
             </a:r>
           </a:p>
         </p:txBody>
@@ -38207,7 +38317,7 @@
           <a:p>
             <a:fld id="{4680A733-F83D-4D19-AF27-7B0B870C8599}" type="datetime1">
               <a:rPr lang="de-DE" noProof="0" smtClean="0"/>
-              <a:t>13.12.22</a:t>
+              <a:t>14.12.22</a:t>
             </a:fld>
             <a:endParaRPr lang="de-DE" noProof="0" dirty="0"/>
           </a:p>
@@ -38297,31 +38407,6 @@
               <a:rPr lang="de-DE" dirty="0"/>
               <a:t>Weight Averaging als CL-Strategie: Ausblick</a:t>
             </a:r>
-          </a:p>
-        </p:txBody>
-      </p:sp>
-      <p:sp>
-        <p:nvSpPr>
-          <p:cNvPr id="8" name="Textplatzhalter 7">
-            <a:extLst>
-              <a:ext uri="{FF2B5EF4-FFF2-40B4-BE49-F238E27FC236}">
-                <a16:creationId xmlns:a16="http://schemas.microsoft.com/office/drawing/2014/main" id="{C9807D36-D750-D4E3-9BC2-93F0880EB224}"/>
-              </a:ext>
-            </a:extLst>
-          </p:cNvPr>
-          <p:cNvSpPr>
-            <a:spLocks noGrp="1"/>
-          </p:cNvSpPr>
-          <p:nvPr>
-            <p:ph type="body" sz="quarter" idx="28"/>
-          </p:nvPr>
-        </p:nvSpPr>
-        <p:spPr/>
-        <p:txBody>
-          <a:bodyPr/>
-          <a:lstStyle/>
-          <a:p>
-            <a:endParaRPr lang="de-DE"/>
           </a:p>
         </p:txBody>
       </p:sp>
@@ -38499,6 +38584,7 @@
               </a:pPr>
               <a:endParaRPr lang="de-DE" noProof="0" dirty="0">
                 <a:latin typeface="Source Sans Pro" panose="020B0503030403020204" pitchFamily="34" charset="0"/>
+                <a:ea typeface="Source Sans Pro" panose="020B0503030403020204" pitchFamily="34" charset="0"/>
               </a:endParaRPr>
             </a:p>
           </p:txBody>
@@ -38565,7 +38651,8 @@
                   <a:solidFill>
                     <a:srgbClr val="0E2356"/>
                   </a:solidFill>
-                  <a:latin typeface="+mj-lt"/>
+                  <a:latin typeface="Source Sans Pro" panose="020B0503030403020204" pitchFamily="34" charset="0"/>
+                  <a:ea typeface="Source Sans Pro" panose="020B0503030403020204" pitchFamily="34" charset="0"/>
                 </a:rPr>
                 <a:t>Verschiedene Datensätze</a:t>
               </a:r>
@@ -38747,6 +38834,7 @@
               </a:pPr>
               <a:endParaRPr lang="de-DE" noProof="0" dirty="0">
                 <a:latin typeface="Source Sans Pro" panose="020B0503030403020204" pitchFamily="34" charset="0"/>
+                <a:ea typeface="Source Sans Pro" panose="020B0503030403020204" pitchFamily="34" charset="0"/>
               </a:endParaRPr>
             </a:p>
           </p:txBody>
@@ -38813,7 +38901,8 @@
                   <a:solidFill>
                     <a:srgbClr val="0E2356"/>
                   </a:solidFill>
-                  <a:latin typeface="+mj-lt"/>
+                  <a:latin typeface="Source Sans Pro" panose="020B0503030403020204" pitchFamily="34" charset="0"/>
+                  <a:ea typeface="Source Sans Pro" panose="020B0503030403020204" pitchFamily="34" charset="0"/>
                 </a:rPr>
                 <a:t>Validierung/ Benchmarks</a:t>
               </a:r>
@@ -38995,6 +39084,7 @@
               </a:pPr>
               <a:endParaRPr lang="de-DE" noProof="0" dirty="0">
                 <a:latin typeface="Source Sans Pro" panose="020B0503030403020204" pitchFamily="34" charset="0"/>
+                <a:ea typeface="Source Sans Pro" panose="020B0503030403020204" pitchFamily="34" charset="0"/>
               </a:endParaRPr>
             </a:p>
           </p:txBody>
@@ -39061,7 +39151,8 @@
                   <a:solidFill>
                     <a:srgbClr val="0E2356"/>
                   </a:solidFill>
-                  <a:latin typeface="+mj-lt"/>
+                  <a:latin typeface="Source Sans Pro" panose="020B0503030403020204" pitchFamily="34" charset="0"/>
+                  <a:ea typeface="Source Sans Pro" panose="020B0503030403020204" pitchFamily="34" charset="0"/>
                 </a:rPr>
                 <a:t>Sensitivitäts-analysen</a:t>
               </a:r>
@@ -39243,6 +39334,7 @@
               </a:pPr>
               <a:endParaRPr lang="de-DE" noProof="0" dirty="0">
                 <a:latin typeface="Source Sans Pro" panose="020B0503030403020204" pitchFamily="34" charset="0"/>
+                <a:ea typeface="Source Sans Pro" panose="020B0503030403020204" pitchFamily="34" charset="0"/>
               </a:endParaRPr>
             </a:p>
           </p:txBody>
@@ -39309,7 +39401,8 @@
                   <a:solidFill>
                     <a:srgbClr val="0E2356"/>
                   </a:solidFill>
-                  <a:latin typeface="+mj-lt"/>
+                  <a:latin typeface="Source Sans Pro" panose="020B0503030403020204" pitchFamily="34" charset="0"/>
+                  <a:ea typeface="Source Sans Pro" panose="020B0503030403020204" pitchFamily="34" charset="0"/>
                 </a:rPr>
                 <a:t>Verschiedene CL-Szenarien</a:t>
               </a:r>
@@ -39331,8 +39424,8 @@
         </p:nvSpPr>
         <p:spPr>
           <a:xfrm>
-            <a:off x="2710830" y="4149080"/>
-            <a:ext cx="3024336" cy="1512168"/>
+            <a:off x="2605489" y="4149080"/>
+            <a:ext cx="3600400" cy="1512168"/>
           </a:xfrm>
           <a:prstGeom prst="rect">
             <a:avLst/>
@@ -39375,24 +39468,36 @@
             <a:r>
               <a:rPr lang="de-DE" sz="1400" dirty="0">
                 <a:solidFill>
-                  <a:srgbClr val="0E2356"/>
-                </a:solidFill>
+                  <a:schemeClr val="tx2">
+                    <a:lumMod val="75000"/>
+                  </a:schemeClr>
+                </a:solidFill>
+                <a:latin typeface="Source Sans Pro" panose="020B0503030403020204" pitchFamily="34" charset="0"/>
+                <a:ea typeface="Source Sans Pro" panose="020B0503030403020204" pitchFamily="34" charset="0"/>
               </a:rPr>
               <a:t>Bisher: </a:t>
             </a:r>
             <a:r>
               <a:rPr lang="de-DE" sz="1400" dirty="0" err="1">
                 <a:solidFill>
-                  <a:srgbClr val="0E2356"/>
-                </a:solidFill>
+                  <a:schemeClr val="tx2">
+                    <a:lumMod val="75000"/>
+                  </a:schemeClr>
+                </a:solidFill>
+                <a:latin typeface="Source Sans Pro" panose="020B0503030403020204" pitchFamily="34" charset="0"/>
+                <a:ea typeface="Source Sans Pro" panose="020B0503030403020204" pitchFamily="34" charset="0"/>
               </a:rPr>
               <a:t>Permuted</a:t>
             </a:r>
             <a:r>
               <a:rPr lang="de-DE" sz="1400" dirty="0">
                 <a:solidFill>
-                  <a:srgbClr val="0E2356"/>
-                </a:solidFill>
+                  <a:schemeClr val="tx2">
+                    <a:lumMod val="75000"/>
+                  </a:schemeClr>
+                </a:solidFill>
+                <a:latin typeface="Source Sans Pro" panose="020B0503030403020204" pitchFamily="34" charset="0"/>
+                <a:ea typeface="Source Sans Pro" panose="020B0503030403020204" pitchFamily="34" charset="0"/>
               </a:rPr>
               <a:t> MNIST</a:t>
             </a:r>
@@ -39411,23 +39516,35 @@
             <a:r>
               <a:rPr lang="de-DE" sz="1400" dirty="0">
                 <a:solidFill>
-                  <a:srgbClr val="0E2356"/>
-                </a:solidFill>
+                  <a:schemeClr val="tx2">
+                    <a:lumMod val="75000"/>
+                  </a:schemeClr>
+                </a:solidFill>
+                <a:latin typeface="Source Sans Pro" panose="020B0503030403020204" pitchFamily="34" charset="0"/>
+                <a:ea typeface="Source Sans Pro" panose="020B0503030403020204" pitchFamily="34" charset="0"/>
               </a:rPr>
-              <a:t>Ausblick: Split MNIST, CIFAR, 		   </a:t>
+              <a:t>Ausblick: Split MNIST, CIFAR, </a:t>
             </a:r>
             <a:r>
               <a:rPr lang="de-DE" sz="1400" dirty="0" err="1">
                 <a:solidFill>
-                  <a:srgbClr val="0E2356"/>
-                </a:solidFill>
+                  <a:schemeClr val="tx2">
+                    <a:lumMod val="75000"/>
+                  </a:schemeClr>
+                </a:solidFill>
+                <a:latin typeface="Source Sans Pro" panose="020B0503030403020204" pitchFamily="34" charset="0"/>
+                <a:ea typeface="Source Sans Pro" panose="020B0503030403020204" pitchFamily="34" charset="0"/>
               </a:rPr>
               <a:t>ImageNet</a:t>
             </a:r>
             <a:endParaRPr lang="de-DE" sz="1400" dirty="0">
               <a:solidFill>
-                <a:srgbClr val="0E2356"/>
+                <a:schemeClr val="tx2">
+                  <a:lumMod val="75000"/>
+                </a:schemeClr>
               </a:solidFill>
+              <a:latin typeface="Source Sans Pro" panose="020B0503030403020204" pitchFamily="34" charset="0"/>
+              <a:ea typeface="Source Sans Pro" panose="020B0503030403020204" pitchFamily="34" charset="0"/>
             </a:endParaRPr>
           </a:p>
         </p:txBody>
@@ -39476,6 +39593,8 @@
                   <a:lumMod val="75000"/>
                 </a:schemeClr>
               </a:solidFill>
+              <a:latin typeface="Source Sans Pro" panose="020B0503030403020204" pitchFamily="34" charset="0"/>
+              <a:ea typeface="Source Sans Pro" panose="020B0503030403020204" pitchFamily="34" charset="0"/>
             </a:endParaRPr>
           </a:p>
         </p:txBody>
@@ -39494,8 +39613,8 @@
         </p:nvSpPr>
         <p:spPr>
           <a:xfrm>
-            <a:off x="2782838" y="1772816"/>
-            <a:ext cx="3024336" cy="1512168"/>
+            <a:off x="2677497" y="1772816"/>
+            <a:ext cx="3600400" cy="1512168"/>
           </a:xfrm>
           <a:prstGeom prst="rect">
             <a:avLst/>
@@ -39538,23 +39657,35 @@
             <a:r>
               <a:rPr lang="de-DE" sz="1400" dirty="0">
                 <a:solidFill>
-                  <a:srgbClr val="0E2356"/>
-                </a:solidFill>
+                  <a:schemeClr val="tx2">
+                    <a:lumMod val="75000"/>
+                  </a:schemeClr>
+                </a:solidFill>
+                <a:latin typeface="Source Sans Pro" panose="020B0503030403020204" pitchFamily="34" charset="0"/>
+                <a:ea typeface="Source Sans Pro" panose="020B0503030403020204" pitchFamily="34" charset="0"/>
               </a:rPr>
               <a:t>Bisher: Naive, EWC, </a:t>
             </a:r>
             <a:r>
               <a:rPr lang="de-DE" sz="1400" dirty="0" err="1">
                 <a:solidFill>
-                  <a:srgbClr val="0E2356"/>
-                </a:solidFill>
+                  <a:schemeClr val="tx2">
+                    <a:lumMod val="75000"/>
+                  </a:schemeClr>
+                </a:solidFill>
+                <a:latin typeface="Source Sans Pro" panose="020B0503030403020204" pitchFamily="34" charset="0"/>
+                <a:ea typeface="Source Sans Pro" panose="020B0503030403020204" pitchFamily="34" charset="0"/>
               </a:rPr>
               <a:t>Cumulative</a:t>
             </a:r>
             <a:endParaRPr lang="de-DE" sz="1400" dirty="0">
               <a:solidFill>
-                <a:srgbClr val="0E2356"/>
+                <a:schemeClr val="tx2">
+                  <a:lumMod val="75000"/>
+                </a:schemeClr>
               </a:solidFill>
+              <a:latin typeface="Source Sans Pro" panose="020B0503030403020204" pitchFamily="34" charset="0"/>
+              <a:ea typeface="Source Sans Pro" panose="020B0503030403020204" pitchFamily="34" charset="0"/>
             </a:endParaRPr>
           </a:p>
           <a:p>
@@ -39571,56 +39702,84 @@
             <a:r>
               <a:rPr lang="de-DE" sz="1400" dirty="0">
                 <a:solidFill>
-                  <a:srgbClr val="0E2356"/>
-                </a:solidFill>
+                  <a:schemeClr val="tx2">
+                    <a:lumMod val="75000"/>
+                  </a:schemeClr>
+                </a:solidFill>
+                <a:latin typeface="Source Sans Pro" panose="020B0503030403020204" pitchFamily="34" charset="0"/>
+                <a:ea typeface="Source Sans Pro" panose="020B0503030403020204" pitchFamily="34" charset="0"/>
               </a:rPr>
-              <a:t>Ausblick: Weiterer Ansatz (</a:t>
+              <a:t>Ausblick: Weitere Strategie (</a:t>
             </a:r>
             <a:r>
               <a:rPr lang="de-DE" sz="1400" dirty="0" err="1">
                 <a:solidFill>
-                  <a:srgbClr val="0E2356"/>
-                </a:solidFill>
+                  <a:schemeClr val="tx2">
+                    <a:lumMod val="75000"/>
+                  </a:schemeClr>
+                </a:solidFill>
+                <a:latin typeface="Source Sans Pro" panose="020B0503030403020204" pitchFamily="34" charset="0"/>
+                <a:ea typeface="Source Sans Pro" panose="020B0503030403020204" pitchFamily="34" charset="0"/>
               </a:rPr>
               <a:t>tbd</a:t>
             </a:r>
             <a:r>
               <a:rPr lang="de-DE" sz="1400" dirty="0">
                 <a:solidFill>
-                  <a:srgbClr val="0E2356"/>
-                </a:solidFill>
+                  <a:schemeClr val="tx2">
+                    <a:lumMod val="75000"/>
+                  </a:schemeClr>
+                </a:solidFill>
+                <a:latin typeface="Source Sans Pro" panose="020B0503030403020204" pitchFamily="34" charset="0"/>
+                <a:ea typeface="Source Sans Pro" panose="020B0503030403020204" pitchFamily="34" charset="0"/>
               </a:rPr>
-              <a:t>, 	   </a:t>
+              <a:t>, </a:t>
             </a:r>
             <a:r>
               <a:rPr lang="de-DE" sz="1400" dirty="0" err="1">
                 <a:solidFill>
-                  <a:srgbClr val="0E2356"/>
-                </a:solidFill>
+                  <a:schemeClr val="tx2">
+                    <a:lumMod val="75000"/>
+                  </a:schemeClr>
+                </a:solidFill>
+                <a:latin typeface="Source Sans Pro" panose="020B0503030403020204" pitchFamily="34" charset="0"/>
+                <a:ea typeface="Source Sans Pro" panose="020B0503030403020204" pitchFamily="34" charset="0"/>
               </a:rPr>
               <a:t>zB</a:t>
             </a:r>
             <a:r>
               <a:rPr lang="de-DE" sz="1400" dirty="0">
                 <a:solidFill>
-                  <a:srgbClr val="0E2356"/>
-                </a:solidFill>
+                  <a:schemeClr val="tx2">
+                    <a:lumMod val="75000"/>
+                  </a:schemeClr>
+                </a:solidFill>
+                <a:latin typeface="Source Sans Pro" panose="020B0503030403020204" pitchFamily="34" charset="0"/>
+                <a:ea typeface="Source Sans Pro" panose="020B0503030403020204" pitchFamily="34" charset="0"/>
               </a:rPr>
               <a:t> </a:t>
             </a:r>
             <a:r>
               <a:rPr lang="de-DE" sz="1400" dirty="0" err="1">
                 <a:solidFill>
-                  <a:srgbClr val="0E2356"/>
-                </a:solidFill>
+                  <a:schemeClr val="tx2">
+                    <a:lumMod val="75000"/>
+                  </a:schemeClr>
+                </a:solidFill>
+                <a:latin typeface="Source Sans Pro" panose="020B0503030403020204" pitchFamily="34" charset="0"/>
+                <a:ea typeface="Source Sans Pro" panose="020B0503030403020204" pitchFamily="34" charset="0"/>
               </a:rPr>
               <a:t>LwF</a:t>
             </a:r>
             <a:r>
               <a:rPr lang="de-DE" sz="1400" dirty="0">
                 <a:solidFill>
-                  <a:srgbClr val="0E2356"/>
-                </a:solidFill>
+                  <a:schemeClr val="tx2">
+                    <a:lumMod val="75000"/>
+                  </a:schemeClr>
+                </a:solidFill>
+                <a:latin typeface="Source Sans Pro" panose="020B0503030403020204" pitchFamily="34" charset="0"/>
+                <a:ea typeface="Source Sans Pro" panose="020B0503030403020204" pitchFamily="34" charset="0"/>
               </a:rPr>
               <a:t>)</a:t>
             </a:r>
@@ -39685,24 +39844,36 @@
             <a:r>
               <a:rPr lang="de-DE" sz="1400" dirty="0">
                 <a:solidFill>
-                  <a:srgbClr val="0E2356"/>
-                </a:solidFill>
+                  <a:schemeClr val="tx2">
+                    <a:lumMod val="75000"/>
+                  </a:schemeClr>
+                </a:solidFill>
+                <a:latin typeface="Source Sans Pro" panose="020B0503030403020204" pitchFamily="34" charset="0"/>
+                <a:ea typeface="Source Sans Pro" panose="020B0503030403020204" pitchFamily="34" charset="0"/>
               </a:rPr>
               <a:t>Bisher: erster Durchlauf um </a:t>
             </a:r>
             <a:r>
               <a:rPr lang="de-DE" sz="1400" dirty="0" err="1">
                 <a:solidFill>
-                  <a:srgbClr val="0E2356"/>
-                </a:solidFill>
+                  <a:schemeClr val="tx2">
+                    <a:lumMod val="75000"/>
+                  </a:schemeClr>
+                </a:solidFill>
+                <a:latin typeface="Source Sans Pro" panose="020B0503030403020204" pitchFamily="34" charset="0"/>
+                <a:ea typeface="Source Sans Pro" panose="020B0503030403020204" pitchFamily="34" charset="0"/>
               </a:rPr>
               <a:t>Grid</a:t>
             </a:r>
             <a:r>
               <a:rPr lang="de-DE" sz="1400" dirty="0">
                 <a:solidFill>
-                  <a:srgbClr val="0E2356"/>
-                </a:solidFill>
+                  <a:schemeClr val="tx2">
+                    <a:lumMod val="75000"/>
+                  </a:schemeClr>
+                </a:solidFill>
+                <a:latin typeface="Source Sans Pro" panose="020B0503030403020204" pitchFamily="34" charset="0"/>
+                <a:ea typeface="Source Sans Pro" panose="020B0503030403020204" pitchFamily="34" charset="0"/>
               </a:rPr>
               <a:t>-Search zu vermeiden</a:t>
             </a:r>
@@ -39721,10 +39892,14 @@
             <a:r>
               <a:rPr lang="de-DE" sz="1400" dirty="0">
                 <a:solidFill>
-                  <a:srgbClr val="0E2356"/>
-                </a:solidFill>
+                  <a:schemeClr val="tx2">
+                    <a:lumMod val="75000"/>
+                  </a:schemeClr>
+                </a:solidFill>
+                <a:latin typeface="Source Sans Pro" panose="020B0503030403020204" pitchFamily="34" charset="0"/>
+                <a:ea typeface="Source Sans Pro" panose="020B0503030403020204" pitchFamily="34" charset="0"/>
               </a:rPr>
-              <a:t>Ausblick: weitere Analysen</a:t>
+              <a:t>Ausblick: Weitere Analysen</a:t>
             </a:r>
           </a:p>
         </p:txBody>
@@ -39787,23 +39962,35 @@
             <a:r>
               <a:rPr lang="de-DE" sz="1400" dirty="0">
                 <a:solidFill>
-                  <a:srgbClr val="0E2356"/>
-                </a:solidFill>
+                  <a:schemeClr val="tx2">
+                    <a:lumMod val="75000"/>
+                  </a:schemeClr>
+                </a:solidFill>
+                <a:latin typeface="Source Sans Pro" panose="020B0503030403020204" pitchFamily="34" charset="0"/>
+                <a:ea typeface="Source Sans Pro" panose="020B0503030403020204" pitchFamily="34" charset="0"/>
               </a:rPr>
               <a:t>Bisher: Domain </a:t>
             </a:r>
             <a:r>
               <a:rPr lang="de-DE" sz="1400" dirty="0" err="1">
                 <a:solidFill>
-                  <a:srgbClr val="0E2356"/>
-                </a:solidFill>
+                  <a:schemeClr val="tx2">
+                    <a:lumMod val="75000"/>
+                  </a:schemeClr>
+                </a:solidFill>
+                <a:latin typeface="Source Sans Pro" panose="020B0503030403020204" pitchFamily="34" charset="0"/>
+                <a:ea typeface="Source Sans Pro" panose="020B0503030403020204" pitchFamily="34" charset="0"/>
               </a:rPr>
               <a:t>incremental</a:t>
             </a:r>
             <a:endParaRPr lang="de-DE" sz="1400" dirty="0">
               <a:solidFill>
-                <a:srgbClr val="0E2356"/>
+                <a:schemeClr val="tx2">
+                  <a:lumMod val="75000"/>
+                </a:schemeClr>
               </a:solidFill>
+              <a:latin typeface="Source Sans Pro" panose="020B0503030403020204" pitchFamily="34" charset="0"/>
+              <a:ea typeface="Source Sans Pro" panose="020B0503030403020204" pitchFamily="34" charset="0"/>
             </a:endParaRPr>
           </a:p>
           <a:p>
@@ -39820,23 +40007,35 @@
             <a:r>
               <a:rPr lang="de-DE" sz="1400" dirty="0">
                 <a:solidFill>
-                  <a:srgbClr val="0E2356"/>
-                </a:solidFill>
+                  <a:schemeClr val="tx2">
+                    <a:lumMod val="75000"/>
+                  </a:schemeClr>
+                </a:solidFill>
+                <a:latin typeface="Source Sans Pro" panose="020B0503030403020204" pitchFamily="34" charset="0"/>
+                <a:ea typeface="Source Sans Pro" panose="020B0503030403020204" pitchFamily="34" charset="0"/>
               </a:rPr>
               <a:t>Ausblick: Task </a:t>
             </a:r>
             <a:r>
               <a:rPr lang="de-DE" sz="1400" dirty="0" err="1">
                 <a:solidFill>
-                  <a:srgbClr val="0E2356"/>
-                </a:solidFill>
+                  <a:schemeClr val="tx2">
+                    <a:lumMod val="75000"/>
+                  </a:schemeClr>
+                </a:solidFill>
+                <a:latin typeface="Source Sans Pro" panose="020B0503030403020204" pitchFamily="34" charset="0"/>
+                <a:ea typeface="Source Sans Pro" panose="020B0503030403020204" pitchFamily="34" charset="0"/>
               </a:rPr>
               <a:t>incremental</a:t>
             </a:r>
             <a:endParaRPr lang="de-DE" sz="1400" dirty="0">
               <a:solidFill>
-                <a:srgbClr val="0E2356"/>
+                <a:schemeClr val="tx2">
+                  <a:lumMod val="75000"/>
+                </a:schemeClr>
               </a:solidFill>
+              <a:latin typeface="Source Sans Pro" panose="020B0503030403020204" pitchFamily="34" charset="0"/>
+              <a:ea typeface="Source Sans Pro" panose="020B0503030403020204" pitchFamily="34" charset="0"/>
             </a:endParaRPr>
           </a:p>
         </p:txBody>
